--- a/wk 4/Assignment One Outline, part 2.pptx
+++ b/wk 4/Assignment One Outline, part 2.pptx
@@ -20,6 +20,7 @@
     <p:sldId id="268" r:id="rId14"/>
     <p:sldId id="269" r:id="rId15"/>
     <p:sldId id="270" r:id="rId16"/>
+    <p:sldId id="271" r:id="rId17"/>
   </p:sldIdLst>
   <p:sldSz cx="12192000" cy="6858000"/>
   <p:notesSz cx="6858000" cy="9144000"/>
@@ -1719,10 +1720,10 @@
         <a:p>
           <a:pPr rtl="0"/>
           <a:r>
-            <a:rPr lang="en-US" smtClean="0"/>
+            <a:rPr lang="en-US" dirty="0" smtClean="0"/>
             <a:t>DOD</a:t>
           </a:r>
-          <a:endParaRPr lang="en-US"/>
+          <a:endParaRPr lang="en-US" dirty="0"/>
         </a:p>
       </dgm:t>
     </dgm:pt>
@@ -1756,6 +1757,13 @@
         </dgm:presLayoutVars>
       </dgm:prSet>
       <dgm:spPr/>
+      <dgm:t>
+        <a:bodyPr/>
+        <a:lstStyle/>
+        <a:p>
+          <a:endParaRPr lang="en-US"/>
+        </a:p>
+      </dgm:t>
     </dgm:pt>
     <dgm:pt modelId="{A4DD4B7B-D2B7-49CC-8D69-CDCED9655A57}" type="pres">
       <dgm:prSet presAssocID="{57A9C248-8EB6-4196-A83C-A7D78510F3A1}" presName="node" presStyleLbl="node1" presStyleIdx="0" presStyleCnt="3">
@@ -1764,14 +1772,35 @@
         </dgm:presLayoutVars>
       </dgm:prSet>
       <dgm:spPr/>
+      <dgm:t>
+        <a:bodyPr/>
+        <a:lstStyle/>
+        <a:p>
+          <a:endParaRPr lang="en-US"/>
+        </a:p>
+      </dgm:t>
     </dgm:pt>
     <dgm:pt modelId="{38408C22-8CA9-4653-80B3-A00475E43E69}" type="pres">
       <dgm:prSet presAssocID="{A8F09096-301A-48CC-BFE4-C2B0FDD8798F}" presName="sibTrans" presStyleLbl="sibTrans2D1" presStyleIdx="0" presStyleCnt="3"/>
       <dgm:spPr/>
+      <dgm:t>
+        <a:bodyPr/>
+        <a:lstStyle/>
+        <a:p>
+          <a:endParaRPr lang="en-US"/>
+        </a:p>
+      </dgm:t>
     </dgm:pt>
     <dgm:pt modelId="{60707A3F-2400-4083-ADC2-303EF7573A33}" type="pres">
       <dgm:prSet presAssocID="{A8F09096-301A-48CC-BFE4-C2B0FDD8798F}" presName="connectorText" presStyleLbl="sibTrans2D1" presStyleIdx="0" presStyleCnt="3"/>
       <dgm:spPr/>
+      <dgm:t>
+        <a:bodyPr/>
+        <a:lstStyle/>
+        <a:p>
+          <a:endParaRPr lang="en-US"/>
+        </a:p>
+      </dgm:t>
     </dgm:pt>
     <dgm:pt modelId="{840F5AB5-54EC-402F-A210-C0CDEC5ADAEE}" type="pres">
       <dgm:prSet presAssocID="{3D122040-09A5-4179-B4B2-53B26D7F4BB7}" presName="node" presStyleLbl="node1" presStyleIdx="1" presStyleCnt="3">
@@ -1780,14 +1809,35 @@
         </dgm:presLayoutVars>
       </dgm:prSet>
       <dgm:spPr/>
+      <dgm:t>
+        <a:bodyPr/>
+        <a:lstStyle/>
+        <a:p>
+          <a:endParaRPr lang="en-US"/>
+        </a:p>
+      </dgm:t>
     </dgm:pt>
     <dgm:pt modelId="{F01D08BA-AE2E-4D3B-99BB-AA27B323F46C}" type="pres">
       <dgm:prSet presAssocID="{7331595F-5D11-4BD2-8C24-604B845D7946}" presName="sibTrans" presStyleLbl="sibTrans2D1" presStyleIdx="1" presStyleCnt="3"/>
       <dgm:spPr/>
+      <dgm:t>
+        <a:bodyPr/>
+        <a:lstStyle/>
+        <a:p>
+          <a:endParaRPr lang="en-US"/>
+        </a:p>
+      </dgm:t>
     </dgm:pt>
     <dgm:pt modelId="{17C93479-6E5A-4495-9060-E6520274D332}" type="pres">
       <dgm:prSet presAssocID="{7331595F-5D11-4BD2-8C24-604B845D7946}" presName="connectorText" presStyleLbl="sibTrans2D1" presStyleIdx="1" presStyleCnt="3"/>
       <dgm:spPr/>
+      <dgm:t>
+        <a:bodyPr/>
+        <a:lstStyle/>
+        <a:p>
+          <a:endParaRPr lang="en-US"/>
+        </a:p>
+      </dgm:t>
     </dgm:pt>
     <dgm:pt modelId="{65E61654-F741-4C20-84FA-60095A66CF53}" type="pres">
       <dgm:prSet presAssocID="{A13BB9C0-D868-42A9-8EB4-3C3A73800D39}" presName="node" presStyleLbl="node1" presStyleIdx="2" presStyleCnt="3">
@@ -1796,30 +1846,51 @@
         </dgm:presLayoutVars>
       </dgm:prSet>
       <dgm:spPr/>
+      <dgm:t>
+        <a:bodyPr/>
+        <a:lstStyle/>
+        <a:p>
+          <a:endParaRPr lang="en-US"/>
+        </a:p>
+      </dgm:t>
     </dgm:pt>
     <dgm:pt modelId="{D216A48F-A86E-4A0F-AD7B-E0E42008769F}" type="pres">
       <dgm:prSet presAssocID="{550EE331-FB4A-4342-9314-EBA20AA38DDE}" presName="sibTrans" presStyleLbl="sibTrans2D1" presStyleIdx="2" presStyleCnt="3"/>
       <dgm:spPr/>
+      <dgm:t>
+        <a:bodyPr/>
+        <a:lstStyle/>
+        <a:p>
+          <a:endParaRPr lang="en-US"/>
+        </a:p>
+      </dgm:t>
     </dgm:pt>
     <dgm:pt modelId="{388E50FF-1867-4AFC-96C5-A4B036BB27B4}" type="pres">
       <dgm:prSet presAssocID="{550EE331-FB4A-4342-9314-EBA20AA38DDE}" presName="connectorText" presStyleLbl="sibTrans2D1" presStyleIdx="2" presStyleCnt="3"/>
       <dgm:spPr/>
+      <dgm:t>
+        <a:bodyPr/>
+        <a:lstStyle/>
+        <a:p>
+          <a:endParaRPr lang="en-US"/>
+        </a:p>
+      </dgm:t>
     </dgm:pt>
   </dgm:ptLst>
   <dgm:cxnLst>
-    <dgm:cxn modelId="{C9D493E7-72A6-4152-AF1F-706BE80F9FC8}" type="presOf" srcId="{550EE331-FB4A-4342-9314-EBA20AA38DDE}" destId="{D216A48F-A86E-4A0F-AD7B-E0E42008769F}" srcOrd="0" destOrd="0" presId="urn:microsoft.com/office/officeart/2005/8/layout/cycle2"/>
+    <dgm:cxn modelId="{F2BAE363-6CF6-492D-A657-208C8010D954}" type="presOf" srcId="{7331595F-5D11-4BD2-8C24-604B845D7946}" destId="{17C93479-6E5A-4495-9060-E6520274D332}" srcOrd="1" destOrd="0" presId="urn:microsoft.com/office/officeart/2005/8/layout/cycle2"/>
     <dgm:cxn modelId="{ADC8472E-390D-4C01-B27A-BC6B679BDCDE}" type="presOf" srcId="{7331595F-5D11-4BD2-8C24-604B845D7946}" destId="{F01D08BA-AE2E-4D3B-99BB-AA27B323F46C}" srcOrd="0" destOrd="0" presId="urn:microsoft.com/office/officeart/2005/8/layout/cycle2"/>
-    <dgm:cxn modelId="{07527D0C-42FE-43F6-A702-F623D3851134}" type="presOf" srcId="{A13BB9C0-D868-42A9-8EB4-3C3A73800D39}" destId="{65E61654-F741-4C20-84FA-60095A66CF53}" srcOrd="0" destOrd="0" presId="urn:microsoft.com/office/officeart/2005/8/layout/cycle2"/>
-    <dgm:cxn modelId="{F2BAE363-6CF6-492D-A657-208C8010D954}" type="presOf" srcId="{7331595F-5D11-4BD2-8C24-604B845D7946}" destId="{17C93479-6E5A-4495-9060-E6520274D332}" srcOrd="1" destOrd="0" presId="urn:microsoft.com/office/officeart/2005/8/layout/cycle2"/>
-    <dgm:cxn modelId="{6A6DA5AC-B3E7-40E5-8232-C6046D9BB35F}" type="presOf" srcId="{3D122040-09A5-4179-B4B2-53B26D7F4BB7}" destId="{840F5AB5-54EC-402F-A210-C0CDEC5ADAEE}" srcOrd="0" destOrd="0" presId="urn:microsoft.com/office/officeart/2005/8/layout/cycle2"/>
     <dgm:cxn modelId="{9881A70A-CC0D-4D5E-8CCF-8CCC0FD3FF93}" type="presOf" srcId="{A8F09096-301A-48CC-BFE4-C2B0FDD8798F}" destId="{60707A3F-2400-4083-ADC2-303EF7573A33}" srcOrd="1" destOrd="0" presId="urn:microsoft.com/office/officeart/2005/8/layout/cycle2"/>
     <dgm:cxn modelId="{BBA1858D-D496-43F4-A06F-1062D4FEAD45}" srcId="{428ED441-DCA2-416A-B410-69A16173EAEC}" destId="{3D122040-09A5-4179-B4B2-53B26D7F4BB7}" srcOrd="1" destOrd="0" parTransId="{52573D3F-E27B-4DF5-B35A-9EC73228EA2C}" sibTransId="{7331595F-5D11-4BD2-8C24-604B845D7946}"/>
-    <dgm:cxn modelId="{EA836A31-DF5B-4CA2-B98C-6B88A1D594EA}" type="presOf" srcId="{428ED441-DCA2-416A-B410-69A16173EAEC}" destId="{E5C2BBA4-E56C-48E2-91C9-2FE6341743D5}" srcOrd="0" destOrd="0" presId="urn:microsoft.com/office/officeart/2005/8/layout/cycle2"/>
-    <dgm:cxn modelId="{5C421418-0419-4473-BFBF-11762A648491}" srcId="{428ED441-DCA2-416A-B410-69A16173EAEC}" destId="{A13BB9C0-D868-42A9-8EB4-3C3A73800D39}" srcOrd="2" destOrd="0" parTransId="{0DE04D51-202A-4DD0-814F-CB02C63E3A4A}" sibTransId="{550EE331-FB4A-4342-9314-EBA20AA38DDE}"/>
-    <dgm:cxn modelId="{ED358A62-D012-4D85-92E2-C6DD2465062E}" srcId="{428ED441-DCA2-416A-B410-69A16173EAEC}" destId="{57A9C248-8EB6-4196-A83C-A7D78510F3A1}" srcOrd="0" destOrd="0" parTransId="{93671CC9-4401-42AB-8E08-82A460A6672F}" sibTransId="{A8F09096-301A-48CC-BFE4-C2B0FDD8798F}"/>
-    <dgm:cxn modelId="{7A2018ED-2DE1-4019-A09F-D4FEDE141C3F}" type="presOf" srcId="{550EE331-FB4A-4342-9314-EBA20AA38DDE}" destId="{388E50FF-1867-4AFC-96C5-A4B036BB27B4}" srcOrd="1" destOrd="0" presId="urn:microsoft.com/office/officeart/2005/8/layout/cycle2"/>
     <dgm:cxn modelId="{F4EECE38-8B71-4A31-AAB9-AF4F33AC4F1D}" type="presOf" srcId="{57A9C248-8EB6-4196-A83C-A7D78510F3A1}" destId="{A4DD4B7B-D2B7-49CC-8D69-CDCED9655A57}" srcOrd="0" destOrd="0" presId="urn:microsoft.com/office/officeart/2005/8/layout/cycle2"/>
     <dgm:cxn modelId="{5C126A7C-75D1-4811-96B8-FA3625467C6B}" type="presOf" srcId="{A8F09096-301A-48CC-BFE4-C2B0FDD8798F}" destId="{38408C22-8CA9-4653-80B3-A00475E43E69}" srcOrd="0" destOrd="0" presId="urn:microsoft.com/office/officeart/2005/8/layout/cycle2"/>
+    <dgm:cxn modelId="{5C421418-0419-4473-BFBF-11762A648491}" srcId="{428ED441-DCA2-416A-B410-69A16173EAEC}" destId="{A13BB9C0-D868-42A9-8EB4-3C3A73800D39}" srcOrd="2" destOrd="0" parTransId="{0DE04D51-202A-4DD0-814F-CB02C63E3A4A}" sibTransId="{550EE331-FB4A-4342-9314-EBA20AA38DDE}"/>
+    <dgm:cxn modelId="{7A2018ED-2DE1-4019-A09F-D4FEDE141C3F}" type="presOf" srcId="{550EE331-FB4A-4342-9314-EBA20AA38DDE}" destId="{388E50FF-1867-4AFC-96C5-A4B036BB27B4}" srcOrd="1" destOrd="0" presId="urn:microsoft.com/office/officeart/2005/8/layout/cycle2"/>
+    <dgm:cxn modelId="{ED358A62-D012-4D85-92E2-C6DD2465062E}" srcId="{428ED441-DCA2-416A-B410-69A16173EAEC}" destId="{57A9C248-8EB6-4196-A83C-A7D78510F3A1}" srcOrd="0" destOrd="0" parTransId="{93671CC9-4401-42AB-8E08-82A460A6672F}" sibTransId="{A8F09096-301A-48CC-BFE4-C2B0FDD8798F}"/>
+    <dgm:cxn modelId="{6A6DA5AC-B3E7-40E5-8232-C6046D9BB35F}" type="presOf" srcId="{3D122040-09A5-4179-B4B2-53B26D7F4BB7}" destId="{840F5AB5-54EC-402F-A210-C0CDEC5ADAEE}" srcOrd="0" destOrd="0" presId="urn:microsoft.com/office/officeart/2005/8/layout/cycle2"/>
+    <dgm:cxn modelId="{07527D0C-42FE-43F6-A702-F623D3851134}" type="presOf" srcId="{A13BB9C0-D868-42A9-8EB4-3C3A73800D39}" destId="{65E61654-F741-4C20-84FA-60095A66CF53}" srcOrd="0" destOrd="0" presId="urn:microsoft.com/office/officeart/2005/8/layout/cycle2"/>
+    <dgm:cxn modelId="{C9D493E7-72A6-4152-AF1F-706BE80F9FC8}" type="presOf" srcId="{550EE331-FB4A-4342-9314-EBA20AA38DDE}" destId="{D216A48F-A86E-4A0F-AD7B-E0E42008769F}" srcOrd="0" destOrd="0" presId="urn:microsoft.com/office/officeart/2005/8/layout/cycle2"/>
+    <dgm:cxn modelId="{EA836A31-DF5B-4CA2-B98C-6B88A1D594EA}" type="presOf" srcId="{428ED441-DCA2-416A-B410-69A16173EAEC}" destId="{E5C2BBA4-E56C-48E2-91C9-2FE6341743D5}" srcOrd="0" destOrd="0" presId="urn:microsoft.com/office/officeart/2005/8/layout/cycle2"/>
     <dgm:cxn modelId="{93B04F27-A644-4DDB-A85D-EAA52BA9CF6B}" type="presParOf" srcId="{E5C2BBA4-E56C-48E2-91C9-2FE6341743D5}" destId="{A4DD4B7B-D2B7-49CC-8D69-CDCED9655A57}" srcOrd="0" destOrd="0" presId="urn:microsoft.com/office/officeart/2005/8/layout/cycle2"/>
     <dgm:cxn modelId="{A72BED9B-AD28-4063-9894-5811E98C632B}" type="presParOf" srcId="{E5C2BBA4-E56C-48E2-91C9-2FE6341743D5}" destId="{38408C22-8CA9-4653-80B3-A00475E43E69}" srcOrd="1" destOrd="0" presId="urn:microsoft.com/office/officeart/2005/8/layout/cycle2"/>
     <dgm:cxn modelId="{FA3194E5-8610-4F04-9A64-B0CE7063F949}" type="presParOf" srcId="{38408C22-8CA9-4653-80B3-A00475E43E69}" destId="{60707A3F-2400-4083-ADC2-303EF7573A33}" srcOrd="0" destOrd="0" presId="urn:microsoft.com/office/officeart/2005/8/layout/cycle2"/>
@@ -1976,6 +2047,13 @@
         </dgm:presLayoutVars>
       </dgm:prSet>
       <dgm:spPr/>
+      <dgm:t>
+        <a:bodyPr/>
+        <a:lstStyle/>
+        <a:p>
+          <a:endParaRPr lang="en-US"/>
+        </a:p>
+      </dgm:t>
     </dgm:pt>
     <dgm:pt modelId="{A4DD4B7B-D2B7-49CC-8D69-CDCED9655A57}" type="pres">
       <dgm:prSet presAssocID="{57A9C248-8EB6-4196-A83C-A7D78510F3A1}" presName="node" presStyleLbl="node1" presStyleIdx="0" presStyleCnt="3">
@@ -1984,14 +2062,35 @@
         </dgm:presLayoutVars>
       </dgm:prSet>
       <dgm:spPr/>
+      <dgm:t>
+        <a:bodyPr/>
+        <a:lstStyle/>
+        <a:p>
+          <a:endParaRPr lang="en-US"/>
+        </a:p>
+      </dgm:t>
     </dgm:pt>
     <dgm:pt modelId="{38408C22-8CA9-4653-80B3-A00475E43E69}" type="pres">
       <dgm:prSet presAssocID="{A8F09096-301A-48CC-BFE4-C2B0FDD8798F}" presName="sibTrans" presStyleLbl="sibTrans2D1" presStyleIdx="0" presStyleCnt="3"/>
       <dgm:spPr/>
+      <dgm:t>
+        <a:bodyPr/>
+        <a:lstStyle/>
+        <a:p>
+          <a:endParaRPr lang="en-US"/>
+        </a:p>
+      </dgm:t>
     </dgm:pt>
     <dgm:pt modelId="{60707A3F-2400-4083-ADC2-303EF7573A33}" type="pres">
       <dgm:prSet presAssocID="{A8F09096-301A-48CC-BFE4-C2B0FDD8798F}" presName="connectorText" presStyleLbl="sibTrans2D1" presStyleIdx="0" presStyleCnt="3"/>
       <dgm:spPr/>
+      <dgm:t>
+        <a:bodyPr/>
+        <a:lstStyle/>
+        <a:p>
+          <a:endParaRPr lang="en-US"/>
+        </a:p>
+      </dgm:t>
     </dgm:pt>
     <dgm:pt modelId="{840F5AB5-54EC-402F-A210-C0CDEC5ADAEE}" type="pres">
       <dgm:prSet presAssocID="{3D122040-09A5-4179-B4B2-53B26D7F4BB7}" presName="node" presStyleLbl="node1" presStyleIdx="1" presStyleCnt="3">
@@ -2000,14 +2099,35 @@
         </dgm:presLayoutVars>
       </dgm:prSet>
       <dgm:spPr/>
+      <dgm:t>
+        <a:bodyPr/>
+        <a:lstStyle/>
+        <a:p>
+          <a:endParaRPr lang="en-US"/>
+        </a:p>
+      </dgm:t>
     </dgm:pt>
     <dgm:pt modelId="{F01D08BA-AE2E-4D3B-99BB-AA27B323F46C}" type="pres">
       <dgm:prSet presAssocID="{7331595F-5D11-4BD2-8C24-604B845D7946}" presName="sibTrans" presStyleLbl="sibTrans2D1" presStyleIdx="1" presStyleCnt="3"/>
       <dgm:spPr/>
+      <dgm:t>
+        <a:bodyPr/>
+        <a:lstStyle/>
+        <a:p>
+          <a:endParaRPr lang="en-US"/>
+        </a:p>
+      </dgm:t>
     </dgm:pt>
     <dgm:pt modelId="{17C93479-6E5A-4495-9060-E6520274D332}" type="pres">
       <dgm:prSet presAssocID="{7331595F-5D11-4BD2-8C24-604B845D7946}" presName="connectorText" presStyleLbl="sibTrans2D1" presStyleIdx="1" presStyleCnt="3"/>
       <dgm:spPr/>
+      <dgm:t>
+        <a:bodyPr/>
+        <a:lstStyle/>
+        <a:p>
+          <a:endParaRPr lang="en-US"/>
+        </a:p>
+      </dgm:t>
     </dgm:pt>
     <dgm:pt modelId="{65E61654-F741-4C20-84FA-60095A66CF53}" type="pres">
       <dgm:prSet presAssocID="{A13BB9C0-D868-42A9-8EB4-3C3A73800D39}" presName="node" presStyleLbl="node1" presStyleIdx="2" presStyleCnt="3">
@@ -2016,14 +2136,35 @@
         </dgm:presLayoutVars>
       </dgm:prSet>
       <dgm:spPr/>
+      <dgm:t>
+        <a:bodyPr/>
+        <a:lstStyle/>
+        <a:p>
+          <a:endParaRPr lang="en-US"/>
+        </a:p>
+      </dgm:t>
     </dgm:pt>
     <dgm:pt modelId="{D216A48F-A86E-4A0F-AD7B-E0E42008769F}" type="pres">
       <dgm:prSet presAssocID="{550EE331-FB4A-4342-9314-EBA20AA38DDE}" presName="sibTrans" presStyleLbl="sibTrans2D1" presStyleIdx="2" presStyleCnt="3"/>
       <dgm:spPr/>
+      <dgm:t>
+        <a:bodyPr/>
+        <a:lstStyle/>
+        <a:p>
+          <a:endParaRPr lang="en-US"/>
+        </a:p>
+      </dgm:t>
     </dgm:pt>
     <dgm:pt modelId="{388E50FF-1867-4AFC-96C5-A4B036BB27B4}" type="pres">
       <dgm:prSet presAssocID="{550EE331-FB4A-4342-9314-EBA20AA38DDE}" presName="connectorText" presStyleLbl="sibTrans2D1" presStyleIdx="2" presStyleCnt="3"/>
       <dgm:spPr/>
+      <dgm:t>
+        <a:bodyPr/>
+        <a:lstStyle/>
+        <a:p>
+          <a:endParaRPr lang="en-US"/>
+        </a:p>
+      </dgm:t>
     </dgm:pt>
   </dgm:ptLst>
   <dgm:cxnLst>
@@ -2429,10 +2570,10 @@
             </a:spcAft>
           </a:pPr>
           <a:r>
-            <a:rPr lang="en-US" sz="4300" kern="1200" smtClean="0"/>
+            <a:rPr lang="en-US" sz="4300" kern="1200" dirty="0" smtClean="0"/>
             <a:t>DOD</a:t>
           </a:r>
-          <a:endParaRPr lang="en-US" sz="4300" kern="1200"/>
+          <a:endParaRPr lang="en-US" sz="4300" kern="1200" dirty="0"/>
         </a:p>
       </dsp:txBody>
       <dsp:txXfrm>
@@ -2521,447 +2662,6 @@
       <dsp:cNvGrpSpPr/>
     </dsp:nvGrpSpPr>
     <dsp:grpSpPr/>
-    <dsp:sp modelId="{A4DD4B7B-D2B7-49CC-8D69-CDCED9655A57}">
-      <dsp:nvSpPr>
-        <dsp:cNvPr id="0" name=""/>
-        <dsp:cNvSpPr/>
-      </dsp:nvSpPr>
-      <dsp:spPr>
-        <a:xfrm>
-          <a:off x="1884178" y="19166"/>
-          <a:ext cx="2511215" cy="2511215"/>
-        </a:xfrm>
-        <a:prstGeom prst="ellipse">
-          <a:avLst/>
-        </a:prstGeom>
-        <a:solidFill>
-          <a:schemeClr val="accent1">
-            <a:hueOff val="0"/>
-            <a:satOff val="0"/>
-            <a:lumOff val="0"/>
-            <a:alphaOff val="0"/>
-          </a:schemeClr>
-        </a:solidFill>
-        <a:ln w="12700" cap="flat" cmpd="sng" algn="ctr">
-          <a:solidFill>
-            <a:schemeClr val="lt1">
-              <a:hueOff val="0"/>
-              <a:satOff val="0"/>
-              <a:lumOff val="0"/>
-              <a:alphaOff val="0"/>
-            </a:schemeClr>
-          </a:solidFill>
-          <a:prstDash val="solid"/>
-          <a:miter lim="800000"/>
-        </a:ln>
-        <a:effectLst/>
-      </dsp:spPr>
-      <dsp:style>
-        <a:lnRef idx="2">
-          <a:scrgbClr r="0" g="0" b="0"/>
-        </a:lnRef>
-        <a:fillRef idx="1">
-          <a:scrgbClr r="0" g="0" b="0"/>
-        </a:fillRef>
-        <a:effectRef idx="0">
-          <a:scrgbClr r="0" g="0" b="0"/>
-        </a:effectRef>
-        <a:fontRef idx="minor">
-          <a:schemeClr val="lt1"/>
-        </a:fontRef>
-      </dsp:style>
-      <dsp:txBody>
-        <a:bodyPr spcFirstLastPara="0" vert="horz" wrap="square" lIns="73660" tIns="73660" rIns="73660" bIns="73660" numCol="1" spcCol="1270" anchor="ctr" anchorCtr="0">
-          <a:noAutofit/>
-        </a:bodyPr>
-        <a:lstStyle/>
-        <a:p>
-          <a:pPr lvl="0" algn="ctr" defTabSz="2578100" rtl="0">
-            <a:lnSpc>
-              <a:spcPct val="90000"/>
-            </a:lnSpc>
-            <a:spcBef>
-              <a:spcPct val="0"/>
-            </a:spcBef>
-            <a:spcAft>
-              <a:spcPct val="35000"/>
-            </a:spcAft>
-          </a:pPr>
-          <a:r>
-            <a:rPr lang="en-US" sz="5800" kern="1200" dirty="0" smtClean="0"/>
-            <a:t>LIT SURV</a:t>
-          </a:r>
-          <a:endParaRPr lang="en-US" sz="5800" kern="1200" dirty="0"/>
-        </a:p>
-      </dsp:txBody>
-      <dsp:txXfrm>
-        <a:off x="2251937" y="386925"/>
-        <a:ext cx="1775697" cy="1775697"/>
-      </dsp:txXfrm>
-    </dsp:sp>
-    <dsp:sp modelId="{38408C22-8CA9-4653-80B3-A00475E43E69}">
-      <dsp:nvSpPr>
-        <dsp:cNvPr id="0" name=""/>
-        <dsp:cNvSpPr/>
-      </dsp:nvSpPr>
-      <dsp:spPr>
-        <a:xfrm rot="3600000">
-          <a:off x="3739336" y="2465838"/>
-          <a:ext cx="665548" cy="847535"/>
-        </a:xfrm>
-        <a:prstGeom prst="rightArrow">
-          <a:avLst>
-            <a:gd name="adj1" fmla="val 60000"/>
-            <a:gd name="adj2" fmla="val 50000"/>
-          </a:avLst>
-        </a:prstGeom>
-        <a:solidFill>
-          <a:schemeClr val="accent1">
-            <a:tint val="60000"/>
-            <a:hueOff val="0"/>
-            <a:satOff val="0"/>
-            <a:lumOff val="0"/>
-            <a:alphaOff val="0"/>
-          </a:schemeClr>
-        </a:solidFill>
-        <a:ln>
-          <a:noFill/>
-        </a:ln>
-        <a:effectLst/>
-      </dsp:spPr>
-      <dsp:style>
-        <a:lnRef idx="0">
-          <a:scrgbClr r="0" g="0" b="0"/>
-        </a:lnRef>
-        <a:fillRef idx="1">
-          <a:scrgbClr r="0" g="0" b="0"/>
-        </a:fillRef>
-        <a:effectRef idx="0">
-          <a:scrgbClr r="0" g="0" b="0"/>
-        </a:effectRef>
-        <a:fontRef idx="minor">
-          <a:schemeClr val="lt1"/>
-        </a:fontRef>
-      </dsp:style>
-      <dsp:txBody>
-        <a:bodyPr spcFirstLastPara="0" vert="horz" wrap="square" lIns="0" tIns="0" rIns="0" bIns="0" numCol="1" spcCol="1270" anchor="ctr" anchorCtr="0">
-          <a:noAutofit/>
-        </a:bodyPr>
-        <a:lstStyle/>
-        <a:p>
-          <a:pPr lvl="0" algn="ctr" defTabSz="1600200">
-            <a:lnSpc>
-              <a:spcPct val="90000"/>
-            </a:lnSpc>
-            <a:spcBef>
-              <a:spcPct val="0"/>
-            </a:spcBef>
-            <a:spcAft>
-              <a:spcPct val="35000"/>
-            </a:spcAft>
-          </a:pPr>
-          <a:endParaRPr lang="en-US" sz="3600" kern="1200"/>
-        </a:p>
-      </dsp:txBody>
-      <dsp:txXfrm>
-        <a:off x="3789252" y="2548888"/>
-        <a:ext cx="465884" cy="508521"/>
-      </dsp:txXfrm>
-    </dsp:sp>
-    <dsp:sp modelId="{840F5AB5-54EC-402F-A210-C0CDEC5ADAEE}">
-      <dsp:nvSpPr>
-        <dsp:cNvPr id="0" name=""/>
-        <dsp:cNvSpPr/>
-      </dsp:nvSpPr>
-      <dsp:spPr>
-        <a:xfrm>
-          <a:off x="3767662" y="3281455"/>
-          <a:ext cx="2511215" cy="2511215"/>
-        </a:xfrm>
-        <a:prstGeom prst="ellipse">
-          <a:avLst/>
-        </a:prstGeom>
-        <a:solidFill>
-          <a:schemeClr val="accent1">
-            <a:hueOff val="0"/>
-            <a:satOff val="0"/>
-            <a:lumOff val="0"/>
-            <a:alphaOff val="0"/>
-          </a:schemeClr>
-        </a:solidFill>
-        <a:ln w="12700" cap="flat" cmpd="sng" algn="ctr">
-          <a:solidFill>
-            <a:schemeClr val="lt1">
-              <a:hueOff val="0"/>
-              <a:satOff val="0"/>
-              <a:lumOff val="0"/>
-              <a:alphaOff val="0"/>
-            </a:schemeClr>
-          </a:solidFill>
-          <a:prstDash val="solid"/>
-          <a:miter lim="800000"/>
-        </a:ln>
-        <a:effectLst/>
-      </dsp:spPr>
-      <dsp:style>
-        <a:lnRef idx="2">
-          <a:scrgbClr r="0" g="0" b="0"/>
-        </a:lnRef>
-        <a:fillRef idx="1">
-          <a:scrgbClr r="0" g="0" b="0"/>
-        </a:fillRef>
-        <a:effectRef idx="0">
-          <a:scrgbClr r="0" g="0" b="0"/>
-        </a:effectRef>
-        <a:fontRef idx="minor">
-          <a:schemeClr val="lt1"/>
-        </a:fontRef>
-      </dsp:style>
-      <dsp:txBody>
-        <a:bodyPr spcFirstLastPara="0" vert="horz" wrap="square" lIns="73660" tIns="73660" rIns="73660" bIns="73660" numCol="1" spcCol="1270" anchor="ctr" anchorCtr="0">
-          <a:noAutofit/>
-        </a:bodyPr>
-        <a:lstStyle/>
-        <a:p>
-          <a:pPr lvl="0" algn="ctr" defTabSz="2578100" rtl="0">
-            <a:lnSpc>
-              <a:spcPct val="90000"/>
-            </a:lnSpc>
-            <a:spcBef>
-              <a:spcPct val="0"/>
-            </a:spcBef>
-            <a:spcAft>
-              <a:spcPct val="35000"/>
-            </a:spcAft>
-          </a:pPr>
-          <a:r>
-            <a:rPr lang="en-US" sz="5800" kern="1200" dirty="0" smtClean="0"/>
-            <a:t>DOE</a:t>
-          </a:r>
-          <a:endParaRPr lang="en-US" sz="5800" kern="1200" dirty="0"/>
-        </a:p>
-      </dsp:txBody>
-      <dsp:txXfrm>
-        <a:off x="4135421" y="3649214"/>
-        <a:ext cx="1775697" cy="1775697"/>
-      </dsp:txXfrm>
-    </dsp:sp>
-    <dsp:sp modelId="{F01D08BA-AE2E-4D3B-99BB-AA27B323F46C}">
-      <dsp:nvSpPr>
-        <dsp:cNvPr id="0" name=""/>
-        <dsp:cNvSpPr/>
-      </dsp:nvSpPr>
-      <dsp:spPr>
-        <a:xfrm rot="10800000">
-          <a:off x="2825848" y="4113296"/>
-          <a:ext cx="665548" cy="847535"/>
-        </a:xfrm>
-        <a:prstGeom prst="rightArrow">
-          <a:avLst>
-            <a:gd name="adj1" fmla="val 60000"/>
-            <a:gd name="adj2" fmla="val 50000"/>
-          </a:avLst>
-        </a:prstGeom>
-        <a:solidFill>
-          <a:schemeClr val="accent1">
-            <a:tint val="60000"/>
-            <a:hueOff val="0"/>
-            <a:satOff val="0"/>
-            <a:lumOff val="0"/>
-            <a:alphaOff val="0"/>
-          </a:schemeClr>
-        </a:solidFill>
-        <a:ln>
-          <a:noFill/>
-        </a:ln>
-        <a:effectLst/>
-      </dsp:spPr>
-      <dsp:style>
-        <a:lnRef idx="0">
-          <a:scrgbClr r="0" g="0" b="0"/>
-        </a:lnRef>
-        <a:fillRef idx="1">
-          <a:scrgbClr r="0" g="0" b="0"/>
-        </a:fillRef>
-        <a:effectRef idx="0">
-          <a:scrgbClr r="0" g="0" b="0"/>
-        </a:effectRef>
-        <a:fontRef idx="minor">
-          <a:schemeClr val="lt1"/>
-        </a:fontRef>
-      </dsp:style>
-      <dsp:txBody>
-        <a:bodyPr spcFirstLastPara="0" vert="horz" wrap="square" lIns="0" tIns="0" rIns="0" bIns="0" numCol="1" spcCol="1270" anchor="ctr" anchorCtr="0">
-          <a:noAutofit/>
-        </a:bodyPr>
-        <a:lstStyle/>
-        <a:p>
-          <a:pPr lvl="0" algn="ctr" defTabSz="1600200">
-            <a:lnSpc>
-              <a:spcPct val="90000"/>
-            </a:lnSpc>
-            <a:spcBef>
-              <a:spcPct val="0"/>
-            </a:spcBef>
-            <a:spcAft>
-              <a:spcPct val="35000"/>
-            </a:spcAft>
-          </a:pPr>
-          <a:endParaRPr lang="en-US" sz="3600" kern="1200"/>
-        </a:p>
-      </dsp:txBody>
-      <dsp:txXfrm rot="10800000">
-        <a:off x="3025512" y="4282803"/>
-        <a:ext cx="465884" cy="508521"/>
-      </dsp:txXfrm>
-    </dsp:sp>
-    <dsp:sp modelId="{65E61654-F741-4C20-84FA-60095A66CF53}">
-      <dsp:nvSpPr>
-        <dsp:cNvPr id="0" name=""/>
-        <dsp:cNvSpPr/>
-      </dsp:nvSpPr>
-      <dsp:spPr>
-        <a:xfrm>
-          <a:off x="694" y="3281455"/>
-          <a:ext cx="2511215" cy="2511215"/>
-        </a:xfrm>
-        <a:prstGeom prst="ellipse">
-          <a:avLst/>
-        </a:prstGeom>
-        <a:solidFill>
-          <a:schemeClr val="accent1">
-            <a:hueOff val="0"/>
-            <a:satOff val="0"/>
-            <a:lumOff val="0"/>
-            <a:alphaOff val="0"/>
-          </a:schemeClr>
-        </a:solidFill>
-        <a:ln w="12700" cap="flat" cmpd="sng" algn="ctr">
-          <a:solidFill>
-            <a:schemeClr val="lt1">
-              <a:hueOff val="0"/>
-              <a:satOff val="0"/>
-              <a:lumOff val="0"/>
-              <a:alphaOff val="0"/>
-            </a:schemeClr>
-          </a:solidFill>
-          <a:prstDash val="solid"/>
-          <a:miter lim="800000"/>
-        </a:ln>
-        <a:effectLst/>
-      </dsp:spPr>
-      <dsp:style>
-        <a:lnRef idx="2">
-          <a:scrgbClr r="0" g="0" b="0"/>
-        </a:lnRef>
-        <a:fillRef idx="1">
-          <a:scrgbClr r="0" g="0" b="0"/>
-        </a:fillRef>
-        <a:effectRef idx="0">
-          <a:scrgbClr r="0" g="0" b="0"/>
-        </a:effectRef>
-        <a:fontRef idx="minor">
-          <a:schemeClr val="lt1"/>
-        </a:fontRef>
-      </dsp:style>
-      <dsp:txBody>
-        <a:bodyPr spcFirstLastPara="0" vert="horz" wrap="square" lIns="73660" tIns="73660" rIns="73660" bIns="73660" numCol="1" spcCol="1270" anchor="ctr" anchorCtr="0">
-          <a:noAutofit/>
-        </a:bodyPr>
-        <a:lstStyle/>
-        <a:p>
-          <a:pPr lvl="0" algn="ctr" defTabSz="2578100" rtl="0">
-            <a:lnSpc>
-              <a:spcPct val="90000"/>
-            </a:lnSpc>
-            <a:spcBef>
-              <a:spcPct val="0"/>
-            </a:spcBef>
-            <a:spcAft>
-              <a:spcPct val="35000"/>
-            </a:spcAft>
-          </a:pPr>
-          <a:r>
-            <a:rPr lang="en-US" sz="5800" kern="1200" dirty="0" smtClean="0"/>
-            <a:t>DOD</a:t>
-          </a:r>
-          <a:endParaRPr lang="en-US" sz="5800" kern="1200" dirty="0"/>
-        </a:p>
-      </dsp:txBody>
-      <dsp:txXfrm>
-        <a:off x="368453" y="3649214"/>
-        <a:ext cx="1775697" cy="1775697"/>
-      </dsp:txXfrm>
-    </dsp:sp>
-    <dsp:sp modelId="{D216A48F-A86E-4A0F-AD7B-E0E42008769F}">
-      <dsp:nvSpPr>
-        <dsp:cNvPr id="0" name=""/>
-        <dsp:cNvSpPr/>
-      </dsp:nvSpPr>
-      <dsp:spPr>
-        <a:xfrm rot="18000000">
-          <a:off x="1855852" y="2498464"/>
-          <a:ext cx="665548" cy="847535"/>
-        </a:xfrm>
-        <a:prstGeom prst="rightArrow">
-          <a:avLst>
-            <a:gd name="adj1" fmla="val 60000"/>
-            <a:gd name="adj2" fmla="val 50000"/>
-          </a:avLst>
-        </a:prstGeom>
-        <a:solidFill>
-          <a:schemeClr val="accent1">
-            <a:tint val="60000"/>
-            <a:hueOff val="0"/>
-            <a:satOff val="0"/>
-            <a:lumOff val="0"/>
-            <a:alphaOff val="0"/>
-          </a:schemeClr>
-        </a:solidFill>
-        <a:ln>
-          <a:noFill/>
-        </a:ln>
-        <a:effectLst/>
-      </dsp:spPr>
-      <dsp:style>
-        <a:lnRef idx="0">
-          <a:scrgbClr r="0" g="0" b="0"/>
-        </a:lnRef>
-        <a:fillRef idx="1">
-          <a:scrgbClr r="0" g="0" b="0"/>
-        </a:fillRef>
-        <a:effectRef idx="0">
-          <a:scrgbClr r="0" g="0" b="0"/>
-        </a:effectRef>
-        <a:fontRef idx="minor">
-          <a:schemeClr val="lt1"/>
-        </a:fontRef>
-      </dsp:style>
-      <dsp:txBody>
-        <a:bodyPr spcFirstLastPara="0" vert="horz" wrap="square" lIns="0" tIns="0" rIns="0" bIns="0" numCol="1" spcCol="1270" anchor="ctr" anchorCtr="0">
-          <a:noAutofit/>
-        </a:bodyPr>
-        <a:lstStyle/>
-        <a:p>
-          <a:pPr lvl="0" algn="ctr" defTabSz="1600200">
-            <a:lnSpc>
-              <a:spcPct val="90000"/>
-            </a:lnSpc>
-            <a:spcBef>
-              <a:spcPct val="0"/>
-            </a:spcBef>
-            <a:spcAft>
-              <a:spcPct val="35000"/>
-            </a:spcAft>
-          </a:pPr>
-          <a:endParaRPr lang="en-US" sz="3600" kern="1200"/>
-        </a:p>
-      </dsp:txBody>
-      <dsp:txXfrm>
-        <a:off x="1905768" y="2754428"/>
-        <a:ext cx="465884" cy="508521"/>
-      </dsp:txXfrm>
-    </dsp:sp>
   </dsp:spTree>
 </dsp:drawing>
 </file>
@@ -5587,7 +5287,7 @@
           <a:p>
             <a:fld id="{198A5412-62B2-4DCA-B831-713E25FEB042}" type="datetimeFigureOut">
               <a:rPr lang="en-US" smtClean="0"/>
-              <a:t>9/21/2015</a:t>
+              <a:t>9/23/2015</a:t>
             </a:fld>
             <a:endParaRPr lang="en-US"/>
           </a:p>
@@ -5757,7 +5457,7 @@
           <a:p>
             <a:fld id="{198A5412-62B2-4DCA-B831-713E25FEB042}" type="datetimeFigureOut">
               <a:rPr lang="en-US" smtClean="0"/>
-              <a:t>9/21/2015</a:t>
+              <a:t>9/23/2015</a:t>
             </a:fld>
             <a:endParaRPr lang="en-US"/>
           </a:p>
@@ -5937,7 +5637,7 @@
           <a:p>
             <a:fld id="{198A5412-62B2-4DCA-B831-713E25FEB042}" type="datetimeFigureOut">
               <a:rPr lang="en-US" smtClean="0"/>
-              <a:t>9/21/2015</a:t>
+              <a:t>9/23/2015</a:t>
             </a:fld>
             <a:endParaRPr lang="en-US"/>
           </a:p>
@@ -6107,7 +5807,7 @@
           <a:p>
             <a:fld id="{198A5412-62B2-4DCA-B831-713E25FEB042}" type="datetimeFigureOut">
               <a:rPr lang="en-US" smtClean="0"/>
-              <a:t>9/21/2015</a:t>
+              <a:t>9/23/2015</a:t>
             </a:fld>
             <a:endParaRPr lang="en-US"/>
           </a:p>
@@ -6353,7 +6053,7 @@
           <a:p>
             <a:fld id="{198A5412-62B2-4DCA-B831-713E25FEB042}" type="datetimeFigureOut">
               <a:rPr lang="en-US" smtClean="0"/>
-              <a:t>9/21/2015</a:t>
+              <a:t>9/23/2015</a:t>
             </a:fld>
             <a:endParaRPr lang="en-US"/>
           </a:p>
@@ -6585,7 +6285,7 @@
           <a:p>
             <a:fld id="{198A5412-62B2-4DCA-B831-713E25FEB042}" type="datetimeFigureOut">
               <a:rPr lang="en-US" smtClean="0"/>
-              <a:t>9/21/2015</a:t>
+              <a:t>9/23/2015</a:t>
             </a:fld>
             <a:endParaRPr lang="en-US"/>
           </a:p>
@@ -6952,7 +6652,7 @@
           <a:p>
             <a:fld id="{198A5412-62B2-4DCA-B831-713E25FEB042}" type="datetimeFigureOut">
               <a:rPr lang="en-US" smtClean="0"/>
-              <a:t>9/21/2015</a:t>
+              <a:t>9/23/2015</a:t>
             </a:fld>
             <a:endParaRPr lang="en-US"/>
           </a:p>
@@ -7070,7 +6770,7 @@
           <a:p>
             <a:fld id="{198A5412-62B2-4DCA-B831-713E25FEB042}" type="datetimeFigureOut">
               <a:rPr lang="en-US" smtClean="0"/>
-              <a:t>9/21/2015</a:t>
+              <a:t>9/23/2015</a:t>
             </a:fld>
             <a:endParaRPr lang="en-US"/>
           </a:p>
@@ -7165,7 +6865,7 @@
           <a:p>
             <a:fld id="{198A5412-62B2-4DCA-B831-713E25FEB042}" type="datetimeFigureOut">
               <a:rPr lang="en-US" smtClean="0"/>
-              <a:t>9/21/2015</a:t>
+              <a:t>9/23/2015</a:t>
             </a:fld>
             <a:endParaRPr lang="en-US"/>
           </a:p>
@@ -7442,7 +7142,7 @@
           <a:p>
             <a:fld id="{198A5412-62B2-4DCA-B831-713E25FEB042}" type="datetimeFigureOut">
               <a:rPr lang="en-US" smtClean="0"/>
-              <a:t>9/21/2015</a:t>
+              <a:t>9/23/2015</a:t>
             </a:fld>
             <a:endParaRPr lang="en-US"/>
           </a:p>
@@ -7695,7 +7395,7 @@
           <a:p>
             <a:fld id="{198A5412-62B2-4DCA-B831-713E25FEB042}" type="datetimeFigureOut">
               <a:rPr lang="en-US" smtClean="0"/>
-              <a:t>9/21/2015</a:t>
+              <a:t>9/23/2015</a:t>
             </a:fld>
             <a:endParaRPr lang="en-US"/>
           </a:p>
@@ -7908,7 +7608,7 @@
           <a:p>
             <a:fld id="{198A5412-62B2-4DCA-B831-713E25FEB042}" type="datetimeFigureOut">
               <a:rPr lang="en-US" smtClean="0"/>
-              <a:t>9/21/2015</a:t>
+              <a:t>9/23/2015</a:t>
             </a:fld>
             <a:endParaRPr lang="en-US"/>
           </a:p>
@@ -9056,6 +8756,74 @@
 </p:sld>
 </file>
 
+<file path=ppt/slides/slide16.xml><?xml version="1.0" encoding="utf-8"?>
+<p:sld xmlns:a="http://schemas.openxmlformats.org/drawingml/2006/main" xmlns:r="http://schemas.openxmlformats.org/officeDocument/2006/relationships" xmlns:p="http://schemas.openxmlformats.org/presentationml/2006/main">
+  <p:cSld>
+    <p:spTree>
+      <p:nvGrpSpPr>
+        <p:cNvPr id="1" name=""/>
+        <p:cNvGrpSpPr/>
+        <p:nvPr/>
+      </p:nvGrpSpPr>
+      <p:grpSpPr>
+        <a:xfrm>
+          <a:off x="0" y="0"/>
+          <a:ext cx="0" cy="0"/>
+          <a:chOff x="0" y="0"/>
+          <a:chExt cx="0" cy="0"/>
+        </a:xfrm>
+      </p:grpSpPr>
+      <p:sp>
+        <p:nvSpPr>
+          <p:cNvPr id="2" name="Title 1"/>
+          <p:cNvSpPr>
+            <a:spLocks noGrp="1"/>
+          </p:cNvSpPr>
+          <p:nvPr>
+            <p:ph type="title"/>
+          </p:nvPr>
+        </p:nvSpPr>
+        <p:spPr/>
+        <p:txBody>
+          <a:bodyPr/>
+          <a:lstStyle/>
+          <a:p>
+            <a:endParaRPr lang="en-US"/>
+          </a:p>
+        </p:txBody>
+      </p:sp>
+      <p:sp>
+        <p:nvSpPr>
+          <p:cNvPr id="3" name="Content Placeholder 2"/>
+          <p:cNvSpPr>
+            <a:spLocks noGrp="1"/>
+          </p:cNvSpPr>
+          <p:nvPr>
+            <p:ph idx="1"/>
+          </p:nvPr>
+        </p:nvSpPr>
+        <p:spPr/>
+        <p:txBody>
+          <a:bodyPr/>
+          <a:lstStyle/>
+          <a:p>
+            <a:endParaRPr lang="en-US"/>
+          </a:p>
+        </p:txBody>
+      </p:sp>
+    </p:spTree>
+    <p:extLst>
+      <p:ext uri="{BB962C8B-B14F-4D97-AF65-F5344CB8AC3E}">
+        <p14:creationId xmlns:p14="http://schemas.microsoft.com/office/powerpoint/2010/main" val="2636954580"/>
+      </p:ext>
+    </p:extLst>
+  </p:cSld>
+  <p:clrMapOvr>
+    <a:masterClrMapping/>
+  </p:clrMapOvr>
+</p:sld>
+</file>
+
 <file path=ppt/slides/slide2.xml><?xml version="1.0" encoding="utf-8"?>
 <p:sld xmlns:a="http://schemas.openxmlformats.org/drawingml/2006/main" xmlns:r="http://schemas.openxmlformats.org/officeDocument/2006/relationships" xmlns:p="http://schemas.openxmlformats.org/presentationml/2006/main">
   <p:cSld>
@@ -9195,13 +8963,8 @@
             </a:pPr>
             <a:r>
               <a:rPr lang="en-US" dirty="0" smtClean="0"/>
-              <a:t>Discussion of </a:t>
-            </a:r>
-            <a:r>
-              <a:rPr lang="en-US" dirty="0" smtClean="0"/>
-              <a:t>data / results</a:t>
-            </a:r>
-            <a:endParaRPr lang="en-US" dirty="0" smtClean="0"/>
+              <a:t>Discussion of data / results</a:t>
+            </a:r>
           </a:p>
           <a:p>
             <a:pPr marL="914400" lvl="1" indent="-457200">

--- a/wk 4/Assignment One Outline, part 2.pptx
+++ b/wk 4/Assignment One Outline, part 2.pptx
@@ -9111,25 +9111,73 @@
           <a:p>
             <a:r>
               <a:rPr lang="en-US" dirty="0" smtClean="0"/>
-              <a:t>Paper is worth 20% of your final semester grade</a:t>
-            </a:r>
-          </a:p>
-          <a:p>
+              <a:t>Paper is worth </a:t>
+            </a:r>
             <a:r>
               <a:rPr lang="en-US" dirty="0" smtClean="0"/>
-              <a:t>8 components, 2.5% per section, equally weighted</a:t>
-            </a:r>
-          </a:p>
-          <a:p>
+              <a:t>10% </a:t>
+            </a:r>
             <a:r>
               <a:rPr lang="en-US" dirty="0" smtClean="0"/>
-              <a:t>For example, 2.5% for a complete bibliography</a:t>
+              <a:t>of your final semester grade</a:t>
             </a:r>
           </a:p>
           <a:p>
             <a:r>
               <a:rPr lang="en-US" dirty="0" smtClean="0"/>
-              <a:t>Or, 2.5% for a complete Introduction</a:t>
+              <a:t>8 components, </a:t>
+            </a:r>
+            <a:r>
+              <a:rPr lang="en-US" dirty="0"/>
+              <a:t>1</a:t>
+            </a:r>
+            <a:r>
+              <a:rPr lang="en-US" dirty="0" smtClean="0"/>
+              <a:t>.25</a:t>
+            </a:r>
+            <a:r>
+              <a:rPr lang="en-US" dirty="0" smtClean="0"/>
+              <a:t>% per section, equally weighted</a:t>
+            </a:r>
+          </a:p>
+          <a:p>
+            <a:r>
+              <a:rPr lang="en-US" dirty="0" smtClean="0"/>
+              <a:t>For example, </a:t>
+            </a:r>
+            <a:r>
+              <a:rPr lang="en-US" dirty="0"/>
+              <a:t>1</a:t>
+            </a:r>
+            <a:r>
+              <a:rPr lang="en-US" dirty="0" smtClean="0"/>
+              <a:t>.25</a:t>
+            </a:r>
+            <a:r>
+              <a:rPr lang="en-US" dirty="0" smtClean="0"/>
+              <a:t>% for a complete bibliography</a:t>
+            </a:r>
+          </a:p>
+          <a:p>
+            <a:r>
+              <a:rPr lang="en-US" dirty="0" smtClean="0"/>
+              <a:t>Or</a:t>
+            </a:r>
+            <a:r>
+              <a:rPr lang="en-US" smtClean="0"/>
+              <a:t>, </a:t>
+            </a:r>
+            <a:r>
+              <a:rPr lang="en-US"/>
+              <a:t>1</a:t>
+            </a:r>
+            <a:r>
+              <a:rPr lang="en-US" smtClean="0"/>
+              <a:t>.25</a:t>
+            </a:r>
+            <a:r>
+              <a:rPr lang="en-US" dirty="0" smtClean="0"/>
+              <a:t>% for a complete Introduction</a:t>
             </a:r>
           </a:p>
           <a:p>
